--- a/Courses/Software-Sciences/Module-1-OOP/07.1-Classes-and-Objects-Basics/07.1-Classes-and-Objects-Basics.pptx
+++ b/Courses/Software-Sciences/Module-1-OOP/07.1-Classes-and-Objects-Basics/07.1-Classes-and-Objects-Basics.pptx
@@ -18200,8 +18200,8 @@
           </a:xfrm>
           <a:prstGeom prst="wedgeRoundRectCallout">
             <a:avLst>
-              <a:gd name="adj1" fmla="val -89945"/>
-              <a:gd name="adj2" fmla="val 61804"/>
+              <a:gd name="adj1" fmla="val -84034"/>
+              <a:gd name="adj2" fmla="val 72276"/>
               <a:gd name="adj3" fmla="val 16667"/>
             </a:avLst>
           </a:prstGeom>
